--- a/図形描写用.pptx
+++ b/図形描写用.pptx
@@ -7,6 +7,8 @@
   <p:sldIdLst>
     <p:sldId id="256" r:id="rId2"/>
     <p:sldId id="257" r:id="rId3"/>
+    <p:sldId id="258" r:id="rId4"/>
+    <p:sldId id="259" r:id="rId5"/>
   </p:sldIdLst>
   <p:sldSz cx="12192000" cy="6858000"/>
   <p:notesSz cx="6858000" cy="9144000"/>
@@ -105,6 +107,11 @@
       </a:defRPr>
     </a:lvl9pPr>
   </p:defaultTextStyle>
+  <p:extLst>
+    <p:ext uri="{EFAFB233-063F-42B5-8137-9DF3F51BA10A}">
+      <p15:sldGuideLst xmlns:p15="http://schemas.microsoft.com/office/powerpoint/2012/main"/>
+    </p:ext>
+  </p:extLst>
 </p:presentation>
 </file>
 
@@ -255,7 +262,7 @@
           <a:p>
             <a:fld id="{46DB141F-1EDC-DB42-924C-4363138110EB}" type="datetimeFigureOut">
               <a:rPr kumimoji="1" lang="ja-JP" altLang="en-US" smtClean="0"/>
-              <a:t>2019/12/28</a:t>
+              <a:t>2020/1/13</a:t>
             </a:fld>
             <a:endParaRPr kumimoji="1" lang="ja-JP" altLang="en-US"/>
           </a:p>
@@ -460,7 +467,7 @@
           <a:p>
             <a:fld id="{46DB141F-1EDC-DB42-924C-4363138110EB}" type="datetimeFigureOut">
               <a:rPr kumimoji="1" lang="ja-JP" altLang="en-US" smtClean="0"/>
-              <a:t>2019/12/28</a:t>
+              <a:t>2020/1/13</a:t>
             </a:fld>
             <a:endParaRPr kumimoji="1" lang="ja-JP" altLang="en-US"/>
           </a:p>
@@ -675,7 +682,7 @@
           <a:p>
             <a:fld id="{46DB141F-1EDC-DB42-924C-4363138110EB}" type="datetimeFigureOut">
               <a:rPr kumimoji="1" lang="ja-JP" altLang="en-US" smtClean="0"/>
-              <a:t>2019/12/28</a:t>
+              <a:t>2020/1/13</a:t>
             </a:fld>
             <a:endParaRPr kumimoji="1" lang="ja-JP" altLang="en-US"/>
           </a:p>
@@ -880,7 +887,7 @@
           <a:p>
             <a:fld id="{46DB141F-1EDC-DB42-924C-4363138110EB}" type="datetimeFigureOut">
               <a:rPr kumimoji="1" lang="ja-JP" altLang="en-US" smtClean="0"/>
-              <a:t>2019/12/28</a:t>
+              <a:t>2020/1/13</a:t>
             </a:fld>
             <a:endParaRPr kumimoji="1" lang="ja-JP" altLang="en-US"/>
           </a:p>
@@ -1190,7 +1197,7 @@
           <a:p>
             <a:fld id="{46DB141F-1EDC-DB42-924C-4363138110EB}" type="datetimeFigureOut">
               <a:rPr kumimoji="1" lang="ja-JP" altLang="en-US" smtClean="0"/>
-              <a:t>2019/12/28</a:t>
+              <a:t>2020/1/13</a:t>
             </a:fld>
             <a:endParaRPr kumimoji="1" lang="ja-JP" altLang="en-US"/>
           </a:p>
@@ -1469,7 +1476,7 @@
           <a:p>
             <a:fld id="{46DB141F-1EDC-DB42-924C-4363138110EB}" type="datetimeFigureOut">
               <a:rPr kumimoji="1" lang="ja-JP" altLang="en-US" smtClean="0"/>
-              <a:t>2019/12/28</a:t>
+              <a:t>2020/1/13</a:t>
             </a:fld>
             <a:endParaRPr kumimoji="1" lang="ja-JP" altLang="en-US"/>
           </a:p>
@@ -1965,7 +1972,7 @@
           <a:p>
             <a:fld id="{46DB141F-1EDC-DB42-924C-4363138110EB}" type="datetimeFigureOut">
               <a:rPr kumimoji="1" lang="ja-JP" altLang="en-US" smtClean="0"/>
-              <a:t>2019/12/28</a:t>
+              <a:t>2020/1/13</a:t>
             </a:fld>
             <a:endParaRPr kumimoji="1" lang="ja-JP" altLang="en-US"/>
           </a:p>
@@ -2106,7 +2113,7 @@
           <a:p>
             <a:fld id="{46DB141F-1EDC-DB42-924C-4363138110EB}" type="datetimeFigureOut">
               <a:rPr kumimoji="1" lang="ja-JP" altLang="en-US" smtClean="0"/>
-              <a:t>2019/12/28</a:t>
+              <a:t>2020/1/13</a:t>
             </a:fld>
             <a:endParaRPr kumimoji="1" lang="ja-JP" altLang="en-US"/>
           </a:p>
@@ -2219,7 +2226,7 @@
           <a:p>
             <a:fld id="{46DB141F-1EDC-DB42-924C-4363138110EB}" type="datetimeFigureOut">
               <a:rPr kumimoji="1" lang="ja-JP" altLang="en-US" smtClean="0"/>
-              <a:t>2019/12/28</a:t>
+              <a:t>2020/1/13</a:t>
             </a:fld>
             <a:endParaRPr kumimoji="1" lang="ja-JP" altLang="en-US"/>
           </a:p>
@@ -2572,7 +2579,7 @@
           <a:p>
             <a:fld id="{46DB141F-1EDC-DB42-924C-4363138110EB}" type="datetimeFigureOut">
               <a:rPr kumimoji="1" lang="ja-JP" altLang="en-US" smtClean="0"/>
-              <a:t>2019/12/28</a:t>
+              <a:t>2020/1/13</a:t>
             </a:fld>
             <a:endParaRPr kumimoji="1" lang="ja-JP" altLang="en-US"/>
           </a:p>
@@ -2895,7 +2902,7 @@
           <a:p>
             <a:fld id="{46DB141F-1EDC-DB42-924C-4363138110EB}" type="datetimeFigureOut">
               <a:rPr kumimoji="1" lang="ja-JP" altLang="en-US" smtClean="0"/>
-              <a:t>2019/12/28</a:t>
+              <a:t>2020/1/13</a:t>
             </a:fld>
             <a:endParaRPr kumimoji="1" lang="ja-JP" altLang="en-US"/>
           </a:p>
@@ -3143,7 +3150,7 @@
           <a:p>
             <a:fld id="{46DB141F-1EDC-DB42-924C-4363138110EB}" type="datetimeFigureOut">
               <a:rPr kumimoji="1" lang="ja-JP" altLang="en-US" smtClean="0"/>
-              <a:t>2019/12/28</a:t>
+              <a:t>2020/1/13</a:t>
             </a:fld>
             <a:endParaRPr kumimoji="1" lang="ja-JP" altLang="en-US"/>
           </a:p>
@@ -3917,6 +3924,679 @@
 </p:sld>
 </file>
 
+<file path=ppt/slides/slide3.xml><?xml version="1.0" encoding="utf-8"?>
+<p:sld xmlns:a="http://schemas.openxmlformats.org/drawingml/2006/main" xmlns:r="http://schemas.openxmlformats.org/officeDocument/2006/relationships" xmlns:p="http://schemas.openxmlformats.org/presentationml/2006/main">
+  <p:cSld>
+    <p:spTree>
+      <p:nvGrpSpPr>
+        <p:cNvPr id="1" name=""/>
+        <p:cNvGrpSpPr/>
+        <p:nvPr/>
+      </p:nvGrpSpPr>
+      <p:grpSpPr>
+        <a:xfrm>
+          <a:off x="0" y="0"/>
+          <a:ext cx="0" cy="0"/>
+          <a:chOff x="0" y="0"/>
+          <a:chExt cx="0" cy="0"/>
+        </a:xfrm>
+      </p:grpSpPr>
+      <p:sp>
+        <p:nvSpPr>
+          <p:cNvPr id="9" name="角丸四角形 8">
+            <a:extLst>
+              <a:ext uri="{FF2B5EF4-FFF2-40B4-BE49-F238E27FC236}">
+                <a16:creationId xmlns:a16="http://schemas.microsoft.com/office/drawing/2014/main" id="{9AAEBB0F-D6D2-8048-B53C-C54894B23917}"/>
+              </a:ext>
+            </a:extLst>
+          </p:cNvPr>
+          <p:cNvSpPr/>
+          <p:nvPr/>
+        </p:nvSpPr>
+        <p:spPr>
+          <a:xfrm>
+            <a:off x="3119120" y="2432696"/>
+            <a:ext cx="4582160" cy="1391920"/>
+          </a:xfrm>
+          <a:prstGeom prst="roundRect">
+            <a:avLst/>
+          </a:prstGeom>
+          <a:solidFill>
+            <a:schemeClr val="accent1">
+              <a:lumMod val="75000"/>
+            </a:schemeClr>
+          </a:solidFill>
+          <a:ln>
+            <a:noFill/>
+          </a:ln>
+        </p:spPr>
+        <p:style>
+          <a:lnRef idx="2">
+            <a:schemeClr val="accent1">
+              <a:shade val="50000"/>
+            </a:schemeClr>
+          </a:lnRef>
+          <a:fillRef idx="1">
+            <a:schemeClr val="accent1"/>
+          </a:fillRef>
+          <a:effectRef idx="0">
+            <a:schemeClr val="accent1"/>
+          </a:effectRef>
+          <a:fontRef idx="minor">
+            <a:schemeClr val="lt1"/>
+          </a:fontRef>
+        </p:style>
+        <p:txBody>
+          <a:bodyPr rtlCol="0" anchor="ctr"/>
+          <a:lstStyle/>
+          <a:p>
+            <a:pPr algn="ctr"/>
+            <a:endParaRPr kumimoji="1" lang="ja-JP" altLang="en-US"/>
+          </a:p>
+        </p:txBody>
+      </p:sp>
+      <p:pic>
+        <p:nvPicPr>
+          <p:cNvPr id="4" name="グラフィックス 3" descr="クレジット カード">
+            <a:extLst>
+              <a:ext uri="{FF2B5EF4-FFF2-40B4-BE49-F238E27FC236}">
+                <a16:creationId xmlns:a16="http://schemas.microsoft.com/office/drawing/2014/main" id="{E7365470-BDAF-A84E-8333-7A8A5B70C3E1}"/>
+              </a:ext>
+            </a:extLst>
+          </p:cNvPr>
+          <p:cNvPicPr>
+            <a:picLocks noChangeAspect="1"/>
+          </p:cNvPicPr>
+          <p:nvPr/>
+        </p:nvPicPr>
+        <p:blipFill>
+          <a:blip r:embed="rId2">
+            <a:extLst>
+              <a:ext uri="{96DAC541-7B7A-43D3-8B79-37D633B846F1}">
+                <asvg:svgBlip xmlns:asvg="http://schemas.microsoft.com/office/drawing/2016/SVG/main" r:embed="rId3"/>
+              </a:ext>
+            </a:extLst>
+          </a:blip>
+          <a:stretch>
+            <a:fillRect/>
+          </a:stretch>
+        </p:blipFill>
+        <p:spPr>
+          <a:xfrm>
+            <a:off x="3419093" y="2475793"/>
+            <a:ext cx="1348823" cy="1348823"/>
+          </a:xfrm>
+          <a:prstGeom prst="rect">
+            <a:avLst/>
+          </a:prstGeom>
+        </p:spPr>
+      </p:pic>
+      <p:sp>
+        <p:nvSpPr>
+          <p:cNvPr id="5" name="テキスト ボックス 4">
+            <a:extLst>
+              <a:ext uri="{FF2B5EF4-FFF2-40B4-BE49-F238E27FC236}">
+                <a16:creationId xmlns:a16="http://schemas.microsoft.com/office/drawing/2014/main" id="{43417754-3BBA-3E40-9974-D0BC3BE6902D}"/>
+              </a:ext>
+            </a:extLst>
+          </p:cNvPr>
+          <p:cNvSpPr txBox="1"/>
+          <p:nvPr/>
+        </p:nvSpPr>
+        <p:spPr>
+          <a:xfrm>
+            <a:off x="5742810" y="2674350"/>
+            <a:ext cx="1593224" cy="646331"/>
+          </a:xfrm>
+          <a:prstGeom prst="rect">
+            <a:avLst/>
+          </a:prstGeom>
+          <a:noFill/>
+        </p:spPr>
+        <p:txBody>
+          <a:bodyPr wrap="square" rtlCol="0">
+            <a:spAutoFit/>
+          </a:bodyPr>
+          <a:lstStyle/>
+          <a:p>
+            <a:pPr algn="ctr"/>
+            <a:r>
+              <a:rPr kumimoji="1" lang="en-US" altLang="ja-JP" dirty="0">
+                <a:solidFill>
+                  <a:schemeClr val="bg1"/>
+                </a:solidFill>
+                <a:latin typeface="Futura Medium" panose="020B0602020204020303" pitchFamily="34" charset="-79"/>
+                <a:cs typeface="Futura Medium" panose="020B0602020204020303" pitchFamily="34" charset="-79"/>
+              </a:rPr>
+              <a:t>credit card</a:t>
+            </a:r>
+          </a:p>
+          <a:p>
+            <a:pPr algn="ctr"/>
+            <a:r>
+              <a:rPr lang="en-US" altLang="ja-JP" dirty="0">
+                <a:solidFill>
+                  <a:schemeClr val="bg1"/>
+                </a:solidFill>
+                <a:latin typeface="Futura Medium" panose="020B0602020204020303" pitchFamily="34" charset="-79"/>
+                <a:cs typeface="Futura Medium" panose="020B0602020204020303" pitchFamily="34" charset="-79"/>
+              </a:rPr>
+              <a:t>click here!</a:t>
+            </a:r>
+            <a:endParaRPr kumimoji="1" lang="ja-JP" altLang="en-US">
+              <a:solidFill>
+                <a:schemeClr val="bg1"/>
+              </a:solidFill>
+              <a:latin typeface="Futura Medium" panose="020B0602020204020303" pitchFamily="34" charset="-79"/>
+              <a:cs typeface="Futura Medium" panose="020B0602020204020303" pitchFamily="34" charset="-79"/>
+            </a:endParaRPr>
+          </a:p>
+        </p:txBody>
+      </p:sp>
+      <p:sp>
+        <p:nvSpPr>
+          <p:cNvPr id="8" name="テキスト ボックス 7">
+            <a:extLst>
+              <a:ext uri="{FF2B5EF4-FFF2-40B4-BE49-F238E27FC236}">
+                <a16:creationId xmlns:a16="http://schemas.microsoft.com/office/drawing/2014/main" id="{D4E0412E-423D-494E-857D-04CBBA726542}"/>
+              </a:ext>
+            </a:extLst>
+          </p:cNvPr>
+          <p:cNvSpPr txBox="1"/>
+          <p:nvPr/>
+        </p:nvSpPr>
+        <p:spPr>
+          <a:xfrm>
+            <a:off x="4519635" y="2652996"/>
+            <a:ext cx="1467576" cy="769441"/>
+          </a:xfrm>
+          <a:prstGeom prst="rect">
+            <a:avLst/>
+          </a:prstGeom>
+          <a:noFill/>
+        </p:spPr>
+        <p:txBody>
+          <a:bodyPr wrap="square" rtlCol="0">
+            <a:spAutoFit/>
+          </a:bodyPr>
+          <a:lstStyle/>
+          <a:p>
+            <a:pPr algn="ctr"/>
+            <a:r>
+              <a:rPr kumimoji="1" lang="en-US" altLang="ja-JP" sz="4400" dirty="0">
+                <a:solidFill>
+                  <a:schemeClr val="bg1"/>
+                </a:solidFill>
+                <a:latin typeface="Futura Medium" panose="020B0602020204020303" pitchFamily="34" charset="-79"/>
+                <a:cs typeface="Futura Medium" panose="020B0602020204020303" pitchFamily="34" charset="-79"/>
+              </a:rPr>
+              <a:t>PAY</a:t>
+            </a:r>
+            <a:endParaRPr kumimoji="1" lang="ja-JP" altLang="en-US" sz="4400">
+              <a:solidFill>
+                <a:schemeClr val="bg1"/>
+              </a:solidFill>
+              <a:latin typeface="Futura Medium" panose="020B0602020204020303" pitchFamily="34" charset="-79"/>
+              <a:cs typeface="Futura Medium" panose="020B0602020204020303" pitchFamily="34" charset="-79"/>
+            </a:endParaRPr>
+          </a:p>
+        </p:txBody>
+      </p:sp>
+      <p:sp>
+        <p:nvSpPr>
+          <p:cNvPr id="10" name="テキスト ボックス 9">
+            <a:extLst>
+              <a:ext uri="{FF2B5EF4-FFF2-40B4-BE49-F238E27FC236}">
+                <a16:creationId xmlns:a16="http://schemas.microsoft.com/office/drawing/2014/main" id="{75223639-B04D-EF4A-8860-21A8639E1024}"/>
+              </a:ext>
+            </a:extLst>
+          </p:cNvPr>
+          <p:cNvSpPr txBox="1"/>
+          <p:nvPr/>
+        </p:nvSpPr>
+        <p:spPr>
+          <a:xfrm>
+            <a:off x="5253423" y="3294759"/>
+            <a:ext cx="2202872" cy="369332"/>
+          </a:xfrm>
+          <a:prstGeom prst="rect">
+            <a:avLst/>
+          </a:prstGeom>
+          <a:noFill/>
+        </p:spPr>
+        <p:txBody>
+          <a:bodyPr wrap="square" rtlCol="0">
+            <a:spAutoFit/>
+          </a:bodyPr>
+          <a:lstStyle/>
+          <a:p>
+            <a:r>
+              <a:rPr kumimoji="1" lang="en-US" altLang="ja-JP" dirty="0">
+                <a:solidFill>
+                  <a:schemeClr val="bg1"/>
+                </a:solidFill>
+                <a:latin typeface="Futura Medium" panose="020B0602020204020303" pitchFamily="34" charset="-79"/>
+                <a:cs typeface="Futura Medium" panose="020B0602020204020303" pitchFamily="34" charset="-79"/>
+              </a:rPr>
+              <a:t>For General</a:t>
+            </a:r>
+            <a:endParaRPr kumimoji="1" lang="ja-JP" altLang="en-US">
+              <a:solidFill>
+                <a:schemeClr val="bg1"/>
+              </a:solidFill>
+              <a:latin typeface="Futura Medium" panose="020B0602020204020303" pitchFamily="34" charset="-79"/>
+              <a:cs typeface="Futura Medium" panose="020B0602020204020303" pitchFamily="34" charset="-79"/>
+            </a:endParaRPr>
+          </a:p>
+        </p:txBody>
+      </p:sp>
+      <p:sp>
+        <p:nvSpPr>
+          <p:cNvPr id="11" name="角丸四角形 10">
+            <a:extLst>
+              <a:ext uri="{FF2B5EF4-FFF2-40B4-BE49-F238E27FC236}">
+                <a16:creationId xmlns:a16="http://schemas.microsoft.com/office/drawing/2014/main" id="{0DBA3598-27FB-7148-93F6-5BB6E1B12997}"/>
+              </a:ext>
+            </a:extLst>
+          </p:cNvPr>
+          <p:cNvSpPr/>
+          <p:nvPr/>
+        </p:nvSpPr>
+        <p:spPr>
+          <a:xfrm>
+            <a:off x="3129280" y="4042846"/>
+            <a:ext cx="4582160" cy="1391920"/>
+          </a:xfrm>
+          <a:prstGeom prst="roundRect">
+            <a:avLst/>
+          </a:prstGeom>
+          <a:solidFill>
+            <a:srgbClr val="00B050"/>
+          </a:solidFill>
+          <a:ln>
+            <a:noFill/>
+          </a:ln>
+        </p:spPr>
+        <p:style>
+          <a:lnRef idx="2">
+            <a:schemeClr val="accent1">
+              <a:shade val="50000"/>
+            </a:schemeClr>
+          </a:lnRef>
+          <a:fillRef idx="1">
+            <a:schemeClr val="accent1"/>
+          </a:fillRef>
+          <a:effectRef idx="0">
+            <a:schemeClr val="accent1"/>
+          </a:effectRef>
+          <a:fontRef idx="minor">
+            <a:schemeClr val="lt1"/>
+          </a:fontRef>
+        </p:style>
+        <p:txBody>
+          <a:bodyPr rtlCol="0" anchor="ctr"/>
+          <a:lstStyle/>
+          <a:p>
+            <a:pPr algn="ctr"/>
+            <a:endParaRPr kumimoji="1" lang="ja-JP" altLang="en-US"/>
+          </a:p>
+        </p:txBody>
+      </p:sp>
+      <p:pic>
+        <p:nvPicPr>
+          <p:cNvPr id="12" name="グラフィックス 11" descr="クレジット カード">
+            <a:extLst>
+              <a:ext uri="{FF2B5EF4-FFF2-40B4-BE49-F238E27FC236}">
+                <a16:creationId xmlns:a16="http://schemas.microsoft.com/office/drawing/2014/main" id="{080930C1-04A1-CA49-909D-885F42B2D0A1}"/>
+              </a:ext>
+            </a:extLst>
+          </p:cNvPr>
+          <p:cNvPicPr>
+            <a:picLocks noChangeAspect="1"/>
+          </p:cNvPicPr>
+          <p:nvPr/>
+        </p:nvPicPr>
+        <p:blipFill>
+          <a:blip r:embed="rId2">
+            <a:extLst>
+              <a:ext uri="{96DAC541-7B7A-43D3-8B79-37D633B846F1}">
+                <asvg:svgBlip xmlns:asvg="http://schemas.microsoft.com/office/drawing/2016/SVG/main" r:embed="rId3"/>
+              </a:ext>
+            </a:extLst>
+          </a:blip>
+          <a:stretch>
+            <a:fillRect/>
+          </a:stretch>
+        </p:blipFill>
+        <p:spPr>
+          <a:xfrm>
+            <a:off x="3429253" y="4085943"/>
+            <a:ext cx="1348823" cy="1348823"/>
+          </a:xfrm>
+          <a:prstGeom prst="rect">
+            <a:avLst/>
+          </a:prstGeom>
+        </p:spPr>
+      </p:pic>
+      <p:sp>
+        <p:nvSpPr>
+          <p:cNvPr id="13" name="テキスト ボックス 12">
+            <a:extLst>
+              <a:ext uri="{FF2B5EF4-FFF2-40B4-BE49-F238E27FC236}">
+                <a16:creationId xmlns:a16="http://schemas.microsoft.com/office/drawing/2014/main" id="{257675DC-4698-8D4E-B48C-FE66FF478123}"/>
+              </a:ext>
+            </a:extLst>
+          </p:cNvPr>
+          <p:cNvSpPr txBox="1"/>
+          <p:nvPr/>
+        </p:nvSpPr>
+        <p:spPr>
+          <a:xfrm>
+            <a:off x="5752970" y="4284500"/>
+            <a:ext cx="1593224" cy="646331"/>
+          </a:xfrm>
+          <a:prstGeom prst="rect">
+            <a:avLst/>
+          </a:prstGeom>
+          <a:noFill/>
+        </p:spPr>
+        <p:txBody>
+          <a:bodyPr wrap="square" rtlCol="0">
+            <a:spAutoFit/>
+          </a:bodyPr>
+          <a:lstStyle/>
+          <a:p>
+            <a:pPr algn="ctr"/>
+            <a:r>
+              <a:rPr kumimoji="1" lang="en-US" altLang="ja-JP" dirty="0">
+                <a:solidFill>
+                  <a:schemeClr val="bg1"/>
+                </a:solidFill>
+                <a:latin typeface="Futura Medium" panose="020B0602020204020303" pitchFamily="34" charset="-79"/>
+                <a:cs typeface="Futura Medium" panose="020B0602020204020303" pitchFamily="34" charset="-79"/>
+              </a:rPr>
+              <a:t>credit card</a:t>
+            </a:r>
+          </a:p>
+          <a:p>
+            <a:pPr algn="ctr"/>
+            <a:r>
+              <a:rPr lang="en-US" altLang="ja-JP" dirty="0">
+                <a:solidFill>
+                  <a:schemeClr val="bg1"/>
+                </a:solidFill>
+                <a:latin typeface="Futura Medium" panose="020B0602020204020303" pitchFamily="34" charset="-79"/>
+                <a:cs typeface="Futura Medium" panose="020B0602020204020303" pitchFamily="34" charset="-79"/>
+              </a:rPr>
+              <a:t>click here!</a:t>
+            </a:r>
+            <a:endParaRPr kumimoji="1" lang="ja-JP" altLang="en-US">
+              <a:solidFill>
+                <a:schemeClr val="bg1"/>
+              </a:solidFill>
+              <a:latin typeface="Futura Medium" panose="020B0602020204020303" pitchFamily="34" charset="-79"/>
+              <a:cs typeface="Futura Medium" panose="020B0602020204020303" pitchFamily="34" charset="-79"/>
+            </a:endParaRPr>
+          </a:p>
+        </p:txBody>
+      </p:sp>
+      <p:sp>
+        <p:nvSpPr>
+          <p:cNvPr id="14" name="テキスト ボックス 13">
+            <a:extLst>
+              <a:ext uri="{FF2B5EF4-FFF2-40B4-BE49-F238E27FC236}">
+                <a16:creationId xmlns:a16="http://schemas.microsoft.com/office/drawing/2014/main" id="{675A12EC-0662-CB42-B696-CC2A577DF650}"/>
+              </a:ext>
+            </a:extLst>
+          </p:cNvPr>
+          <p:cNvSpPr txBox="1"/>
+          <p:nvPr/>
+        </p:nvSpPr>
+        <p:spPr>
+          <a:xfrm>
+            <a:off x="4529795" y="4263146"/>
+            <a:ext cx="1467576" cy="769441"/>
+          </a:xfrm>
+          <a:prstGeom prst="rect">
+            <a:avLst/>
+          </a:prstGeom>
+          <a:noFill/>
+        </p:spPr>
+        <p:txBody>
+          <a:bodyPr wrap="square" rtlCol="0">
+            <a:spAutoFit/>
+          </a:bodyPr>
+          <a:lstStyle/>
+          <a:p>
+            <a:pPr algn="ctr"/>
+            <a:r>
+              <a:rPr kumimoji="1" lang="en-US" altLang="ja-JP" sz="4400" dirty="0">
+                <a:solidFill>
+                  <a:schemeClr val="bg1"/>
+                </a:solidFill>
+                <a:latin typeface="Futura Medium" panose="020B0602020204020303" pitchFamily="34" charset="-79"/>
+                <a:cs typeface="Futura Medium" panose="020B0602020204020303" pitchFamily="34" charset="-79"/>
+              </a:rPr>
+              <a:t>PAY</a:t>
+            </a:r>
+            <a:endParaRPr kumimoji="1" lang="ja-JP" altLang="en-US" sz="4400">
+              <a:solidFill>
+                <a:schemeClr val="bg1"/>
+              </a:solidFill>
+              <a:latin typeface="Futura Medium" panose="020B0602020204020303" pitchFamily="34" charset="-79"/>
+              <a:cs typeface="Futura Medium" panose="020B0602020204020303" pitchFamily="34" charset="-79"/>
+            </a:endParaRPr>
+          </a:p>
+        </p:txBody>
+      </p:sp>
+      <p:sp>
+        <p:nvSpPr>
+          <p:cNvPr id="15" name="テキスト ボックス 14">
+            <a:extLst>
+              <a:ext uri="{FF2B5EF4-FFF2-40B4-BE49-F238E27FC236}">
+                <a16:creationId xmlns:a16="http://schemas.microsoft.com/office/drawing/2014/main" id="{B409BC0B-07D4-1E47-B4C6-2BE673EE51B4}"/>
+              </a:ext>
+            </a:extLst>
+          </p:cNvPr>
+          <p:cNvSpPr txBox="1"/>
+          <p:nvPr/>
+        </p:nvSpPr>
+        <p:spPr>
+          <a:xfrm>
+            <a:off x="5263583" y="4904909"/>
+            <a:ext cx="2202872" cy="369332"/>
+          </a:xfrm>
+          <a:prstGeom prst="rect">
+            <a:avLst/>
+          </a:prstGeom>
+          <a:noFill/>
+        </p:spPr>
+        <p:txBody>
+          <a:bodyPr wrap="square" rtlCol="0">
+            <a:spAutoFit/>
+          </a:bodyPr>
+          <a:lstStyle/>
+          <a:p>
+            <a:r>
+              <a:rPr kumimoji="1" lang="en-US" altLang="ja-JP" dirty="0">
+                <a:solidFill>
+                  <a:schemeClr val="bg1"/>
+                </a:solidFill>
+                <a:latin typeface="Futura Medium" panose="020B0602020204020303" pitchFamily="34" charset="-79"/>
+                <a:cs typeface="Futura Medium" panose="020B0602020204020303" pitchFamily="34" charset="-79"/>
+              </a:rPr>
+              <a:t>For Student</a:t>
+            </a:r>
+            <a:endParaRPr kumimoji="1" lang="ja-JP" altLang="en-US">
+              <a:solidFill>
+                <a:schemeClr val="bg1"/>
+              </a:solidFill>
+              <a:latin typeface="Futura Medium" panose="020B0602020204020303" pitchFamily="34" charset="-79"/>
+              <a:cs typeface="Futura Medium" panose="020B0602020204020303" pitchFamily="34" charset="-79"/>
+            </a:endParaRPr>
+          </a:p>
+        </p:txBody>
+      </p:sp>
+    </p:spTree>
+    <p:extLst>
+      <p:ext uri="{BB962C8B-B14F-4D97-AF65-F5344CB8AC3E}">
+        <p14:creationId xmlns:p14="http://schemas.microsoft.com/office/powerpoint/2010/main" val="3868823284"/>
+      </p:ext>
+    </p:extLst>
+  </p:cSld>
+  <p:clrMapOvr>
+    <a:masterClrMapping/>
+  </p:clrMapOvr>
+</p:sld>
+</file>
+
+<file path=ppt/slides/slide4.xml><?xml version="1.0" encoding="utf-8"?>
+<p:sld xmlns:a="http://schemas.openxmlformats.org/drawingml/2006/main" xmlns:r="http://schemas.openxmlformats.org/officeDocument/2006/relationships" xmlns:p="http://schemas.openxmlformats.org/presentationml/2006/main">
+  <p:cSld>
+    <p:spTree>
+      <p:nvGrpSpPr>
+        <p:cNvPr id="1" name=""/>
+        <p:cNvGrpSpPr/>
+        <p:nvPr/>
+      </p:nvGrpSpPr>
+      <p:grpSpPr>
+        <a:xfrm>
+          <a:off x="0" y="0"/>
+          <a:ext cx="0" cy="0"/>
+          <a:chOff x="0" y="0"/>
+          <a:chExt cx="0" cy="0"/>
+        </a:xfrm>
+      </p:grpSpPr>
+      <p:pic>
+        <p:nvPicPr>
+          <p:cNvPr id="5" name="図 4">
+            <a:extLst>
+              <a:ext uri="{FF2B5EF4-FFF2-40B4-BE49-F238E27FC236}">
+                <a16:creationId xmlns:a16="http://schemas.microsoft.com/office/drawing/2014/main" id="{344A45D9-AD63-EF42-B230-1C7DEC72AA33}"/>
+              </a:ext>
+            </a:extLst>
+          </p:cNvPr>
+          <p:cNvPicPr>
+            <a:picLocks noChangeAspect="1"/>
+          </p:cNvPicPr>
+          <p:nvPr/>
+        </p:nvPicPr>
+        <p:blipFill>
+          <a:blip r:embed="rId2"/>
+          <a:stretch>
+            <a:fillRect/>
+          </a:stretch>
+        </p:blipFill>
+        <p:spPr>
+          <a:xfrm>
+            <a:off x="1490656" y="2768600"/>
+            <a:ext cx="6781800" cy="1320800"/>
+          </a:xfrm>
+          <a:prstGeom prst="rect">
+            <a:avLst/>
+          </a:prstGeom>
+        </p:spPr>
+      </p:pic>
+      <p:pic>
+        <p:nvPicPr>
+          <p:cNvPr id="7" name="図 6">
+            <a:extLst>
+              <a:ext uri="{FF2B5EF4-FFF2-40B4-BE49-F238E27FC236}">
+                <a16:creationId xmlns:a16="http://schemas.microsoft.com/office/drawing/2014/main" id="{32FAB07C-F41D-E346-9E93-09A0A699BF7A}"/>
+              </a:ext>
+            </a:extLst>
+          </p:cNvPr>
+          <p:cNvPicPr>
+            <a:picLocks noChangeAspect="1"/>
+          </p:cNvPicPr>
+          <p:nvPr/>
+        </p:nvPicPr>
+        <p:blipFill>
+          <a:blip r:embed="rId3"/>
+          <a:stretch>
+            <a:fillRect/>
+          </a:stretch>
+        </p:blipFill>
+        <p:spPr>
+          <a:xfrm>
+            <a:off x="1626368" y="4089399"/>
+            <a:ext cx="1667933" cy="625475"/>
+          </a:xfrm>
+          <a:prstGeom prst="rect">
+            <a:avLst/>
+          </a:prstGeom>
+        </p:spPr>
+      </p:pic>
+      <p:sp>
+        <p:nvSpPr>
+          <p:cNvPr id="8" name="正方形/長方形 7">
+            <a:extLst>
+              <a:ext uri="{FF2B5EF4-FFF2-40B4-BE49-F238E27FC236}">
+                <a16:creationId xmlns:a16="http://schemas.microsoft.com/office/drawing/2014/main" id="{EEB94E54-75D9-0D49-B4C8-AA8EA62419EC}"/>
+              </a:ext>
+            </a:extLst>
+          </p:cNvPr>
+          <p:cNvSpPr/>
+          <p:nvPr/>
+        </p:nvSpPr>
+        <p:spPr>
+          <a:xfrm>
+            <a:off x="3586010" y="3863528"/>
+            <a:ext cx="4783682" cy="1077218"/>
+          </a:xfrm>
+          <a:prstGeom prst="rect">
+            <a:avLst/>
+          </a:prstGeom>
+        </p:spPr>
+        <p:txBody>
+          <a:bodyPr wrap="none">
+            <a:spAutoFit/>
+          </a:bodyPr>
+          <a:lstStyle/>
+          <a:p>
+            <a:r>
+              <a:rPr lang="en" altLang="ja-JP" sz="3200" dirty="0">
+                <a:solidFill>
+                  <a:srgbClr val="666666"/>
+                </a:solidFill>
+                <a:latin typeface="Verdana" panose="020B0604030504040204" pitchFamily="34" charset="0"/>
+              </a:rPr>
+              <a:t>The Japan Second</a:t>
+            </a:r>
+          </a:p>
+          <a:p>
+            <a:r>
+              <a:rPr lang="en" altLang="ja-JP" sz="3200" dirty="0">
+                <a:solidFill>
+                  <a:srgbClr val="666666"/>
+                </a:solidFill>
+                <a:latin typeface="Verdana" panose="020B0604030504040204" pitchFamily="34" charset="0"/>
+              </a:rPr>
+              <a:t>Language Association</a:t>
+            </a:r>
+            <a:endParaRPr lang="en" altLang="ja-JP" sz="3200" b="0" i="0" dirty="0">
+              <a:solidFill>
+                <a:srgbClr val="666666"/>
+              </a:solidFill>
+              <a:effectLst/>
+              <a:latin typeface="Verdana" panose="020B0604030504040204" pitchFamily="34" charset="0"/>
+            </a:endParaRPr>
+          </a:p>
+        </p:txBody>
+      </p:sp>
+    </p:spTree>
+    <p:extLst>
+      <p:ext uri="{BB962C8B-B14F-4D97-AF65-F5344CB8AC3E}">
+        <p14:creationId xmlns:p14="http://schemas.microsoft.com/office/powerpoint/2010/main" val="3700691289"/>
+      </p:ext>
+    </p:extLst>
+  </p:cSld>
+  <p:clrMapOvr>
+    <a:masterClrMapping/>
+  </p:clrMapOvr>
+</p:sld>
+</file>
+
 <file path=ppt/theme/theme1.xml><?xml version="1.0" encoding="utf-8"?>
 <a:theme xmlns:a="http://schemas.openxmlformats.org/drawingml/2006/main" name="Office テーマ">
   <a:themeElements>
